--- a/060_BiasVarianceTradoff.pptx
+++ b/060_BiasVarianceTradoff.pptx
@@ -229,7 +229,7 @@
             <a:fld id="{6837EDA8-41C8-4B24-A206-13C08A65A6D7}" type="datetimeFigureOut">
               <a:rPr lang="zh-TW" altLang="en-US" smtClean="0"/>
               <a:pPr/>
-              <a:t>2020/9/6</a:t>
+              <a:t>2020/9/7</a:t>
             </a:fld>
             <a:endParaRPr lang="zh-TW" altLang="en-US"/>
           </a:p>
@@ -682,7 +682,7 @@
             <a:fld id="{8B85509C-BD4F-47BF-9B1E-FC2E949B3621}" type="datetime1">
               <a:rPr lang="zh-TW" altLang="en-US" smtClean="0"/>
               <a:pPr/>
-              <a:t>2020/9/6</a:t>
+              <a:t>2020/9/7</a:t>
             </a:fld>
             <a:endParaRPr lang="zh-TW" altLang="en-US"/>
           </a:p>
@@ -855,7 +855,7 @@
             <a:fld id="{42251B24-F787-4C15-8A0F-7AEC20C70069}" type="datetime1">
               <a:rPr lang="zh-TW" altLang="en-US" smtClean="0"/>
               <a:pPr/>
-              <a:t>2020/9/6</a:t>
+              <a:t>2020/9/7</a:t>
             </a:fld>
             <a:endParaRPr lang="zh-TW" altLang="en-US"/>
           </a:p>
@@ -1030,7 +1030,7 @@
             <a:fld id="{9CA0D33C-CE2B-45F1-B8D4-FFD1F131F331}" type="datetime1">
               <a:rPr lang="zh-TW" altLang="en-US" smtClean="0"/>
               <a:pPr/>
-              <a:t>2020/9/6</a:t>
+              <a:t>2020/9/7</a:t>
             </a:fld>
             <a:endParaRPr lang="zh-TW" altLang="en-US"/>
           </a:p>
@@ -1195,7 +1195,7 @@
             <a:fld id="{50B99440-D9EF-40CC-9B52-F6428D9B2C76}" type="datetime1">
               <a:rPr lang="zh-TW" altLang="en-US" smtClean="0"/>
               <a:pPr/>
-              <a:t>2020/9/6</a:t>
+              <a:t>2020/9/7</a:t>
             </a:fld>
             <a:endParaRPr lang="zh-TW" altLang="en-US"/>
           </a:p>
@@ -1437,7 +1437,7 @@
             <a:fld id="{0871BF52-5C6C-4959-8E27-CECB68D39FE4}" type="datetime1">
               <a:rPr lang="zh-TW" altLang="en-US" smtClean="0"/>
               <a:pPr/>
-              <a:t>2020/9/6</a:t>
+              <a:t>2020/9/7</a:t>
             </a:fld>
             <a:endParaRPr lang="zh-TW" altLang="en-US"/>
           </a:p>
@@ -1719,7 +1719,7 @@
             <a:fld id="{DF863F05-2DD9-4EB1-A827-12FD992DE9DC}" type="datetime1">
               <a:rPr lang="zh-TW" altLang="en-US" smtClean="0"/>
               <a:pPr/>
-              <a:t>2020/9/6</a:t>
+              <a:t>2020/9/7</a:t>
             </a:fld>
             <a:endParaRPr lang="zh-TW" altLang="en-US"/>
           </a:p>
@@ -2135,7 +2135,7 @@
             <a:fld id="{6339AF51-4491-4873-A096-75DB6CE47516}" type="datetime1">
               <a:rPr lang="zh-TW" altLang="en-US" smtClean="0"/>
               <a:pPr/>
-              <a:t>2020/9/6</a:t>
+              <a:t>2020/9/7</a:t>
             </a:fld>
             <a:endParaRPr lang="zh-TW" altLang="en-US"/>
           </a:p>
@@ -2249,7 +2249,7 @@
             <a:fld id="{EE4AD9C8-8B9E-40FF-ABE2-858AC2057BBB}" type="datetime1">
               <a:rPr lang="zh-TW" altLang="en-US" smtClean="0"/>
               <a:pPr/>
-              <a:t>2020/9/6</a:t>
+              <a:t>2020/9/7</a:t>
             </a:fld>
             <a:endParaRPr lang="zh-TW" altLang="en-US"/>
           </a:p>
@@ -2341,7 +2341,7 @@
             <a:fld id="{B4784999-BBBE-4BE4-A8D0-877E7D1D66CC}" type="datetime1">
               <a:rPr lang="zh-TW" altLang="en-US" smtClean="0"/>
               <a:pPr/>
-              <a:t>2020/9/6</a:t>
+              <a:t>2020/9/7</a:t>
             </a:fld>
             <a:endParaRPr lang="zh-TW" altLang="en-US"/>
           </a:p>
@@ -2613,7 +2613,7 @@
             <a:fld id="{E88D17E6-02BD-4944-B9FE-7BFCCBF83D48}" type="datetime1">
               <a:rPr lang="zh-TW" altLang="en-US" smtClean="0"/>
               <a:pPr/>
-              <a:t>2020/9/6</a:t>
+              <a:t>2020/9/7</a:t>
             </a:fld>
             <a:endParaRPr lang="zh-TW" altLang="en-US"/>
           </a:p>
@@ -2862,7 +2862,7 @@
             <a:fld id="{3C13E23D-1FEF-4D78-A3A3-3D6F2BB31954}" type="datetime1">
               <a:rPr lang="zh-TW" altLang="en-US" smtClean="0"/>
               <a:pPr/>
-              <a:t>2020/9/6</a:t>
+              <a:t>2020/9/7</a:t>
             </a:fld>
             <a:endParaRPr lang="zh-TW" altLang="en-US"/>
           </a:p>
@@ -3070,7 +3070,7 @@
             <a:fld id="{06197F35-AD6F-4594-8B50-334492D2E7E8}" type="datetime1">
               <a:rPr lang="zh-TW" altLang="en-US" smtClean="0"/>
               <a:pPr/>
-              <a:t>2020/9/6</a:t>
+              <a:t>2020/9/7</a:t>
             </a:fld>
             <a:endParaRPr lang="zh-TW" altLang="en-US"/>
           </a:p>
@@ -3531,7 +3531,7 @@
             <a:fld id="{C389EDC9-19E3-47AC-9C57-C6A24DEA81AD}" type="datetime1">
               <a:rPr lang="zh-TW" altLang="en-US" smtClean="0"/>
               <a:pPr/>
-              <a:t>2020/9/6</a:t>
+              <a:t>2020/9/7</a:t>
             </a:fld>
             <a:endParaRPr lang="zh-TW" altLang="en-US"/>
           </a:p>
@@ -3876,7 +3876,7 @@
             <a:fld id="{A4F910E6-8D00-4BAF-8C48-9688E0B449D3}" type="datetime1">
               <a:rPr lang="zh-TW" altLang="en-US" smtClean="0"/>
               <a:pPr/>
-              <a:t>2020/9/6</a:t>
+              <a:t>2020/9/7</a:t>
             </a:fld>
             <a:endParaRPr lang="zh-TW" altLang="en-US"/>
           </a:p>
@@ -4035,7 +4035,7 @@
             <a:fld id="{C389EDC9-19E3-47AC-9C57-C6A24DEA81AD}" type="datetime1">
               <a:rPr lang="zh-TW" altLang="en-US" smtClean="0"/>
               <a:pPr/>
-              <a:t>2020/9/6</a:t>
+              <a:t>2020/9/7</a:t>
             </a:fld>
             <a:endParaRPr lang="zh-TW" altLang="en-US"/>
           </a:p>
@@ -4431,7 +4431,7 @@
             <a:fld id="{A4F910E6-8D00-4BAF-8C48-9688E0B449D3}" type="datetime1">
               <a:rPr lang="zh-TW" altLang="en-US" smtClean="0"/>
               <a:pPr/>
-              <a:t>2020/9/6</a:t>
+              <a:t>2020/9/7</a:t>
             </a:fld>
             <a:endParaRPr lang="zh-TW" altLang="en-US"/>
           </a:p>
@@ -4791,7 +4791,7 @@
             <a:fld id="{A4F910E6-8D00-4BAF-8C48-9688E0B449D3}" type="datetime1">
               <a:rPr lang="zh-TW" altLang="en-US" smtClean="0"/>
               <a:pPr/>
-              <a:t>2020/9/6</a:t>
+              <a:t>2020/9/7</a:t>
             </a:fld>
             <a:endParaRPr lang="zh-TW" altLang="en-US"/>
           </a:p>
@@ -4950,7 +4950,7 @@
             <a:fld id="{C389EDC9-19E3-47AC-9C57-C6A24DEA81AD}" type="datetime1">
               <a:rPr lang="zh-TW" altLang="en-US" smtClean="0"/>
               <a:pPr/>
-              <a:t>2020/9/6</a:t>
+              <a:t>2020/9/7</a:t>
             </a:fld>
             <a:endParaRPr lang="zh-TW" altLang="en-US"/>
           </a:p>
@@ -5105,8 +5105,8 @@
           </a:p>
         </p:txBody>
       </p:sp>
-      <mc:AlternateContent xmlns:mc="http://schemas.openxmlformats.org/markup-compatibility/2006">
-        <mc:Choice xmlns:a14="http://schemas.microsoft.com/office/drawing/2010/main" Requires="a14">
+      <mc:AlternateContent xmlns:mc="http://schemas.openxmlformats.org/markup-compatibility/2006" xmlns:a14="http://schemas.microsoft.com/office/drawing/2010/main">
+        <mc:Choice Requires="a14">
           <p:sp>
             <p:nvSpPr>
               <p:cNvPr id="3" name="副標題 2"/>
@@ -5409,7 +5409,7 @@
             </p:txBody>
           </p:sp>
         </mc:Choice>
-        <mc:Fallback>
+        <mc:Fallback xmlns="">
           <p:sp>
             <p:nvSpPr>
               <p:cNvPr id="3" name="副標題 2"/>
@@ -5550,7 +5550,7 @@
             <a:fld id="{A4F910E6-8D00-4BAF-8C48-9688E0B449D3}" type="datetime1">
               <a:rPr lang="zh-TW" altLang="en-US" smtClean="0"/>
               <a:pPr/>
-              <a:t>2020/9/6</a:t>
+              <a:t>2020/9/7</a:t>
             </a:fld>
             <a:endParaRPr lang="zh-TW" altLang="en-US"/>
           </a:p>
@@ -5950,7 +5950,7 @@
             <a:fld id="{A4F910E6-8D00-4BAF-8C48-9688E0B449D3}" type="datetime1">
               <a:rPr lang="zh-TW" altLang="en-US" smtClean="0"/>
               <a:pPr/>
-              <a:t>2020/9/6</a:t>
+              <a:t>2020/9/7</a:t>
             </a:fld>
             <a:endParaRPr lang="zh-TW" altLang="en-US"/>
           </a:p>
@@ -6074,7 +6074,7 @@
             <a:fld id="{C389EDC9-19E3-47AC-9C57-C6A24DEA81AD}" type="datetime1">
               <a:rPr lang="zh-TW" altLang="en-US" smtClean="0"/>
               <a:pPr/>
-              <a:t>2020/9/6</a:t>
+              <a:t>2020/9/7</a:t>
             </a:fld>
             <a:endParaRPr lang="zh-TW" altLang="en-US"/>
           </a:p>
@@ -6484,7 +6484,7 @@
             <a:fld id="{A4F910E6-8D00-4BAF-8C48-9688E0B449D3}" type="datetime1">
               <a:rPr lang="zh-TW" altLang="en-US" smtClean="0"/>
               <a:pPr/>
-              <a:t>2020/9/6</a:t>
+              <a:t>2020/9/7</a:t>
             </a:fld>
             <a:endParaRPr lang="zh-TW" altLang="en-US"/>
           </a:p>
@@ -6930,7 +6930,7 @@
             <a:fld id="{A4F910E6-8D00-4BAF-8C48-9688E0B449D3}" type="datetime1">
               <a:rPr lang="zh-TW" altLang="en-US" smtClean="0"/>
               <a:pPr/>
-              <a:t>2020/9/6</a:t>
+              <a:t>2020/9/7</a:t>
             </a:fld>
             <a:endParaRPr lang="zh-TW" altLang="en-US"/>
           </a:p>
@@ -7262,7 +7262,7 @@
             <a:fld id="{A4F910E6-8D00-4BAF-8C48-9688E0B449D3}" type="datetime1">
               <a:rPr lang="zh-TW" altLang="en-US" smtClean="0"/>
               <a:pPr/>
-              <a:t>2020/9/6</a:t>
+              <a:t>2020/9/7</a:t>
             </a:fld>
             <a:endParaRPr lang="zh-TW" altLang="en-US"/>
           </a:p>
@@ -7657,7 +7657,7 @@
             <a:fld id="{A4F910E6-8D00-4BAF-8C48-9688E0B449D3}" type="datetime1">
               <a:rPr lang="zh-TW" altLang="en-US" smtClean="0"/>
               <a:pPr/>
-              <a:t>2020/9/6</a:t>
+              <a:t>2020/9/7</a:t>
             </a:fld>
             <a:endParaRPr lang="zh-TW" altLang="en-US"/>
           </a:p>
@@ -7804,7 +7804,7 @@
             <a:fld id="{4E46BE27-E923-4EC2-B046-3272AE2A3E5C}" type="datetime1">
               <a:rPr lang="zh-TW" altLang="en-US" smtClean="0"/>
               <a:pPr/>
-              <a:t>2020/9/6</a:t>
+              <a:t>2020/9/7</a:t>
             </a:fld>
             <a:endParaRPr lang="zh-TW" altLang="en-US"/>
           </a:p>
@@ -7918,7 +7918,7 @@
             <a:fld id="{C389EDC9-19E3-47AC-9C57-C6A24DEA81AD}" type="datetime1">
               <a:rPr lang="zh-TW" altLang="en-US" smtClean="0"/>
               <a:pPr/>
-              <a:t>2020/9/6</a:t>
+              <a:t>2020/9/7</a:t>
             </a:fld>
             <a:endParaRPr lang="zh-TW" altLang="en-US"/>
           </a:p>
@@ -8294,7 +8294,7 @@
             <a:fld id="{A4F910E6-8D00-4BAF-8C48-9688E0B449D3}" type="datetime1">
               <a:rPr lang="zh-TW" altLang="en-US" smtClean="0"/>
               <a:pPr/>
-              <a:t>2020/9/6</a:t>
+              <a:t>2020/9/7</a:t>
             </a:fld>
             <a:endParaRPr lang="zh-TW" altLang="en-US"/>
           </a:p>
@@ -8418,7 +8418,7 @@
             <a:fld id="{C389EDC9-19E3-47AC-9C57-C6A24DEA81AD}" type="datetime1">
               <a:rPr lang="zh-TW" altLang="en-US" smtClean="0"/>
               <a:pPr/>
-              <a:t>2020/9/6</a:t>
+              <a:t>2020/9/7</a:t>
             </a:fld>
             <a:endParaRPr lang="zh-TW" altLang="en-US"/>
           </a:p>
@@ -8804,7 +8804,7 @@
             <a:fld id="{A4F910E6-8D00-4BAF-8C48-9688E0B449D3}" type="datetime1">
               <a:rPr lang="zh-TW" altLang="en-US" smtClean="0"/>
               <a:pPr/>
-              <a:t>2020/9/6</a:t>
+              <a:t>2020/9/7</a:t>
             </a:fld>
             <a:endParaRPr lang="zh-TW" altLang="en-US"/>
           </a:p>
@@ -9459,7 +9459,7 @@
             <a:fld id="{A4F910E6-8D00-4BAF-8C48-9688E0B449D3}" type="datetime1">
               <a:rPr lang="zh-TW" altLang="en-US" smtClean="0"/>
               <a:pPr/>
-              <a:t>2020/9/6</a:t>
+              <a:t>2020/9/7</a:t>
             </a:fld>
             <a:endParaRPr lang="zh-TW" altLang="en-US"/>
           </a:p>
@@ -10126,7 +10126,7 @@
             <a:fld id="{A4F910E6-8D00-4BAF-8C48-9688E0B449D3}" type="datetime1">
               <a:rPr lang="zh-TW" altLang="en-US" smtClean="0"/>
               <a:pPr/>
-              <a:t>2020/9/6</a:t>
+              <a:t>2020/9/7</a:t>
             </a:fld>
             <a:endParaRPr lang="zh-TW" altLang="en-US"/>
           </a:p>
@@ -10509,7 +10509,7 @@
             <a:fld id="{A4F910E6-8D00-4BAF-8C48-9688E0B449D3}" type="datetime1">
               <a:rPr lang="zh-TW" altLang="en-US" smtClean="0"/>
               <a:pPr/>
-              <a:t>2020/9/6</a:t>
+              <a:t>2020/9/7</a:t>
             </a:fld>
             <a:endParaRPr lang="zh-TW" altLang="en-US"/>
           </a:p>
